--- a/slideshare.pptx
+++ b/slideshare.pptx
@@ -13,11 +13,13 @@
     <p:sldId id="259" r:id="rId7"/>
     <p:sldId id="266" r:id="rId8"/>
     <p:sldId id="270" r:id="rId9"/>
-    <p:sldId id="269" r:id="rId10"/>
-    <p:sldId id="260" r:id="rId11"/>
-    <p:sldId id="262" r:id="rId12"/>
-    <p:sldId id="261" r:id="rId13"/>
-    <p:sldId id="263" r:id="rId14"/>
+    <p:sldId id="271" r:id="rId10"/>
+    <p:sldId id="272" r:id="rId11"/>
+    <p:sldId id="269" r:id="rId12"/>
+    <p:sldId id="260" r:id="rId13"/>
+    <p:sldId id="262" r:id="rId14"/>
+    <p:sldId id="261" r:id="rId15"/>
+    <p:sldId id="263" r:id="rId16"/>
   </p:sldIdLst>
   <p:sldSz cx="9144000" cy="6858000" type="screen4x3"/>
   <p:notesSz cx="6858000" cy="9144000"/>
@@ -17057,6 +17059,529 @@
       </p:grpSpPr>
       <p:sp>
         <p:nvSpPr>
+          <p:cNvPr id="2" name="AutoShape 2" descr="https://mail.google.com/mail/?ui=2&amp;ik=6c00dae748&amp;view=att&amp;th=13409555575d0367&amp;attid=0.1&amp;disp=inline&amp;zw"/>
+          <p:cNvSpPr>
+            <a:spLocks noChangeAspect="1" noChangeArrowheads="1"/>
+          </p:cNvSpPr>
+          <p:nvPr/>
+        </p:nvSpPr>
+        <p:spPr bwMode="auto">
+          <a:xfrm>
+            <a:off x="155575" y="-144463"/>
+            <a:ext cx="304800" cy="304801"/>
+          </a:xfrm>
+          <a:prstGeom prst="rect">
+            <a:avLst/>
+          </a:prstGeom>
+          <a:noFill/>
+          <a:extLst>
+            <a:ext uri="{909E8E84-426E-40DD-AFC4-6F175D3DCCD1}">
+              <a14:hiddenFill xmlns:a14="http://schemas.microsoft.com/office/drawing/2010/main">
+                <a:solidFill>
+                  <a:srgbClr val="FFFFFF"/>
+                </a:solidFill>
+              </a14:hiddenFill>
+            </a:ext>
+          </a:extLst>
+        </p:spPr>
+        <p:txBody>
+          <a:bodyPr vert="horz" wrap="square" lIns="91440" tIns="45720" rIns="91440" bIns="45720" numCol="1" anchor="t" anchorCtr="0" compatLnSpc="1">
+            <a:prstTxWarp prst="textNoShape">
+              <a:avLst/>
+            </a:prstTxWarp>
+          </a:bodyPr>
+          <a:lstStyle/>
+          <a:p>
+            <a:endParaRPr lang="de-DE"/>
+          </a:p>
+        </p:txBody>
+      </p:sp>
+      <p:sp>
+        <p:nvSpPr>
+          <p:cNvPr id="3" name="AutoShape 4" descr="https://mail.google.com/mail/?ui=2&amp;ik=6c00dae748&amp;view=att&amp;th=13409555575d0367&amp;attid=0.1&amp;disp=inline&amp;zw"/>
+          <p:cNvSpPr>
+            <a:spLocks noChangeAspect="1" noChangeArrowheads="1"/>
+          </p:cNvSpPr>
+          <p:nvPr/>
+        </p:nvSpPr>
+        <p:spPr bwMode="auto">
+          <a:xfrm>
+            <a:off x="307975" y="7937"/>
+            <a:ext cx="304800" cy="304801"/>
+          </a:xfrm>
+          <a:prstGeom prst="rect">
+            <a:avLst/>
+          </a:prstGeom>
+          <a:noFill/>
+          <a:extLst>
+            <a:ext uri="{909E8E84-426E-40DD-AFC4-6F175D3DCCD1}">
+              <a14:hiddenFill xmlns:a14="http://schemas.microsoft.com/office/drawing/2010/main">
+                <a:solidFill>
+                  <a:srgbClr val="FFFFFF"/>
+                </a:solidFill>
+              </a14:hiddenFill>
+            </a:ext>
+          </a:extLst>
+        </p:spPr>
+        <p:txBody>
+          <a:bodyPr vert="horz" wrap="square" lIns="91440" tIns="45720" rIns="91440" bIns="45720" numCol="1" anchor="t" anchorCtr="0" compatLnSpc="1">
+            <a:prstTxWarp prst="textNoShape">
+              <a:avLst/>
+            </a:prstTxWarp>
+          </a:bodyPr>
+          <a:lstStyle/>
+          <a:p>
+            <a:endParaRPr lang="de-DE"/>
+          </a:p>
+        </p:txBody>
+      </p:sp>
+      <p:sp>
+        <p:nvSpPr>
+          <p:cNvPr id="4" name="AutoShape 6" descr="https://mail.google.com/mail/?ui=2&amp;ik=6c00dae748&amp;view=att&amp;th=13409555575d0367&amp;attid=0.1&amp;disp=inline&amp;zw"/>
+          <p:cNvSpPr>
+            <a:spLocks noChangeAspect="1" noChangeArrowheads="1"/>
+          </p:cNvSpPr>
+          <p:nvPr/>
+        </p:nvSpPr>
+        <p:spPr bwMode="auto">
+          <a:xfrm>
+            <a:off x="460375" y="160337"/>
+            <a:ext cx="304800" cy="304801"/>
+          </a:xfrm>
+          <a:prstGeom prst="rect">
+            <a:avLst/>
+          </a:prstGeom>
+          <a:noFill/>
+          <a:extLst>
+            <a:ext uri="{909E8E84-426E-40DD-AFC4-6F175D3DCCD1}">
+              <a14:hiddenFill xmlns:a14="http://schemas.microsoft.com/office/drawing/2010/main">
+                <a:solidFill>
+                  <a:srgbClr val="FFFFFF"/>
+                </a:solidFill>
+              </a14:hiddenFill>
+            </a:ext>
+          </a:extLst>
+        </p:spPr>
+        <p:txBody>
+          <a:bodyPr vert="horz" wrap="square" lIns="91440" tIns="45720" rIns="91440" bIns="45720" numCol="1" anchor="t" anchorCtr="0" compatLnSpc="1">
+            <a:prstTxWarp prst="textNoShape">
+              <a:avLst/>
+            </a:prstTxWarp>
+          </a:bodyPr>
+          <a:lstStyle/>
+          <a:p>
+            <a:endParaRPr lang="de-DE"/>
+          </a:p>
+        </p:txBody>
+      </p:sp>
+      <p:sp>
+        <p:nvSpPr>
+          <p:cNvPr id="5" name="AutoShape 8" descr="https://mail.google.com/mail/?ui=2&amp;ik=6c00dae748&amp;view=att&amp;th=13409555575d0367&amp;attid=0.1&amp;disp=inline&amp;zw"/>
+          <p:cNvSpPr>
+            <a:spLocks noChangeAspect="1" noChangeArrowheads="1"/>
+          </p:cNvSpPr>
+          <p:nvPr/>
+        </p:nvSpPr>
+        <p:spPr bwMode="auto">
+          <a:xfrm>
+            <a:off x="612775" y="312737"/>
+            <a:ext cx="304800" cy="304801"/>
+          </a:xfrm>
+          <a:prstGeom prst="rect">
+            <a:avLst/>
+          </a:prstGeom>
+          <a:noFill/>
+          <a:extLst>
+            <a:ext uri="{909E8E84-426E-40DD-AFC4-6F175D3DCCD1}">
+              <a14:hiddenFill xmlns:a14="http://schemas.microsoft.com/office/drawing/2010/main">
+                <a:solidFill>
+                  <a:srgbClr val="FFFFFF"/>
+                </a:solidFill>
+              </a14:hiddenFill>
+            </a:ext>
+          </a:extLst>
+        </p:spPr>
+        <p:txBody>
+          <a:bodyPr vert="horz" wrap="square" lIns="91440" tIns="45720" rIns="91440" bIns="45720" numCol="1" anchor="t" anchorCtr="0" compatLnSpc="1">
+            <a:prstTxWarp prst="textNoShape">
+              <a:avLst/>
+            </a:prstTxWarp>
+          </a:bodyPr>
+          <a:lstStyle/>
+          <a:p>
+            <a:endParaRPr lang="de-DE"/>
+          </a:p>
+        </p:txBody>
+      </p:sp>
+      <p:sp>
+        <p:nvSpPr>
+          <p:cNvPr id="6" name="Rechteck 5"/>
+          <p:cNvSpPr/>
+          <p:nvPr/>
+        </p:nvSpPr>
+        <p:spPr>
+          <a:xfrm>
+            <a:off x="0" y="1"/>
+            <a:ext cx="9143999" cy="6858000"/>
+          </a:xfrm>
+          <a:prstGeom prst="rect">
+            <a:avLst/>
+          </a:prstGeom>
+        </p:spPr>
+        <p:style>
+          <a:lnRef idx="2">
+            <a:schemeClr val="dk1">
+              <a:shade val="50000"/>
+            </a:schemeClr>
+          </a:lnRef>
+          <a:fillRef idx="1">
+            <a:schemeClr val="dk1"/>
+          </a:fillRef>
+          <a:effectRef idx="0">
+            <a:schemeClr val="dk1"/>
+          </a:effectRef>
+          <a:fontRef idx="minor">
+            <a:schemeClr val="lt1"/>
+          </a:fontRef>
+        </p:style>
+        <p:txBody>
+          <a:bodyPr rtlCol="0" anchor="ctr"/>
+          <a:lstStyle/>
+          <a:p>
+            <a:pPr algn="ctr"/>
+            <a:endParaRPr lang="de-DE"/>
+          </a:p>
+        </p:txBody>
+      </p:sp>
+      <p:pic>
+        <p:nvPicPr>
+          <p:cNvPr id="2057" name="Picture 9" descr="C:\Users\Norman\Desktop\Foto.PNG"/>
+          <p:cNvPicPr>
+            <a:picLocks noChangeAspect="1" noChangeArrowheads="1"/>
+          </p:cNvPicPr>
+          <p:nvPr/>
+        </p:nvPicPr>
+        <p:blipFill>
+          <a:blip r:embed="rId2">
+            <a:extLst>
+              <a:ext uri="{28A0092B-C50C-407E-A947-70E740481C1C}">
+                <a14:useLocalDpi xmlns:a14="http://schemas.microsoft.com/office/drawing/2010/main" val="0"/>
+              </a:ext>
+            </a:extLst>
+          </a:blip>
+          <a:srcRect/>
+          <a:stretch>
+            <a:fillRect/>
+          </a:stretch>
+        </p:blipFill>
+        <p:spPr bwMode="auto">
+          <a:xfrm>
+            <a:off x="2270282" y="0"/>
+            <a:ext cx="4572000" cy="6858000"/>
+          </a:xfrm>
+          <a:prstGeom prst="rect">
+            <a:avLst/>
+          </a:prstGeom>
+          <a:noFill/>
+          <a:extLst>
+            <a:ext uri="{909E8E84-426E-40DD-AFC4-6F175D3DCCD1}">
+              <a14:hiddenFill xmlns:a14="http://schemas.microsoft.com/office/drawing/2010/main">
+                <a:solidFill>
+                  <a:srgbClr val="FFFFFF"/>
+                </a:solidFill>
+              </a14:hiddenFill>
+            </a:ext>
+          </a:extLst>
+        </p:spPr>
+      </p:pic>
+      <p:pic>
+        <p:nvPicPr>
+          <p:cNvPr id="3074" name="Picture 2" descr="https://github.com/lehmannro/validitychecker/raw/master/screenshots/small.png"/>
+          <p:cNvPicPr>
+            <a:picLocks noChangeAspect="1" noChangeArrowheads="1"/>
+          </p:cNvPicPr>
+          <p:nvPr/>
+        </p:nvPicPr>
+        <p:blipFill>
+          <a:blip r:embed="rId3">
+            <a:extLst>
+              <a:ext uri="{28A0092B-C50C-407E-A947-70E740481C1C}">
+                <a14:useLocalDpi xmlns:a14="http://schemas.microsoft.com/office/drawing/2010/main" val="0"/>
+              </a:ext>
+            </a:extLst>
+          </a:blip>
+          <a:srcRect/>
+          <a:stretch>
+            <a:fillRect/>
+          </a:stretch>
+        </p:blipFill>
+        <p:spPr bwMode="auto">
+          <a:xfrm>
+            <a:off x="2270282" y="292941"/>
+            <a:ext cx="4572000" cy="8319722"/>
+          </a:xfrm>
+          <a:prstGeom prst="rect">
+            <a:avLst/>
+          </a:prstGeom>
+          <a:noFill/>
+          <a:extLst>
+            <a:ext uri="{909E8E84-426E-40DD-AFC4-6F175D3DCCD1}">
+              <a14:hiddenFill xmlns:a14="http://schemas.microsoft.com/office/drawing/2010/main">
+                <a:solidFill>
+                  <a:srgbClr val="FFFFFF"/>
+                </a:solidFill>
+              </a14:hiddenFill>
+            </a:ext>
+          </a:extLst>
+        </p:spPr>
+      </p:pic>
+    </p:spTree>
+    <p:extLst>
+      <p:ext uri="{BB962C8B-B14F-4D97-AF65-F5344CB8AC3E}">
+        <p14:creationId xmlns:p14="http://schemas.microsoft.com/office/powerpoint/2010/main" val="2695128342"/>
+      </p:ext>
+    </p:extLst>
+  </p:cSld>
+  <p:clrMapOvr>
+    <a:masterClrMapping/>
+  </p:clrMapOvr>
+  <p:timing>
+    <p:tnLst>
+      <p:par>
+        <p:cTn id="1" dur="indefinite" restart="never" nodeType="tmRoot"/>
+      </p:par>
+    </p:tnLst>
+  </p:timing>
+</p:sld>
+</file>
+
+<file path=ppt/slides/slide11.xml><?xml version="1.0" encoding="utf-8"?>
+<p:sld xmlns:a="http://schemas.openxmlformats.org/drawingml/2006/main" xmlns:r="http://schemas.openxmlformats.org/officeDocument/2006/relationships" xmlns:p="http://schemas.openxmlformats.org/presentationml/2006/main">
+  <p:cSld>
+    <p:spTree>
+      <p:nvGrpSpPr>
+        <p:cNvPr id="1" name=""/>
+        <p:cNvGrpSpPr/>
+        <p:nvPr/>
+      </p:nvGrpSpPr>
+      <p:grpSpPr>
+        <a:xfrm>
+          <a:off x="0" y="0"/>
+          <a:ext cx="0" cy="0"/>
+          <a:chOff x="0" y="0"/>
+          <a:chExt cx="0" cy="0"/>
+        </a:xfrm>
+      </p:grpSpPr>
+      <p:sp>
+        <p:nvSpPr>
+          <p:cNvPr id="5" name="Rechteck 4"/>
+          <p:cNvSpPr/>
+          <p:nvPr/>
+        </p:nvSpPr>
+        <p:spPr>
+          <a:xfrm>
+            <a:off x="0" y="1"/>
+            <a:ext cx="9143999" cy="6858000"/>
+          </a:xfrm>
+          <a:prstGeom prst="rect">
+            <a:avLst/>
+          </a:prstGeom>
+        </p:spPr>
+        <p:style>
+          <a:lnRef idx="2">
+            <a:schemeClr val="dk1">
+              <a:shade val="50000"/>
+            </a:schemeClr>
+          </a:lnRef>
+          <a:fillRef idx="1">
+            <a:schemeClr val="dk1"/>
+          </a:fillRef>
+          <a:effectRef idx="0">
+            <a:schemeClr val="dk1"/>
+          </a:effectRef>
+          <a:fontRef idx="minor">
+            <a:schemeClr val="lt1"/>
+          </a:fontRef>
+        </p:style>
+        <p:txBody>
+          <a:bodyPr rtlCol="0" anchor="ctr"/>
+          <a:lstStyle/>
+          <a:p>
+            <a:pPr algn="ctr"/>
+            <a:endParaRPr lang="de-DE"/>
+          </a:p>
+        </p:txBody>
+      </p:sp>
+      <p:pic>
+        <p:nvPicPr>
+          <p:cNvPr id="4098" name="Picture 2" descr="https://github.com/lehmannro/validitychecker/raw/master/screenshots/greasemonkey.png"/>
+          <p:cNvPicPr>
+            <a:picLocks noChangeAspect="1" noChangeArrowheads="1"/>
+          </p:cNvPicPr>
+          <p:nvPr/>
+        </p:nvPicPr>
+        <p:blipFill>
+          <a:blip r:embed="rId2">
+            <a:extLst>
+              <a:ext uri="{28A0092B-C50C-407E-A947-70E740481C1C}">
+                <a14:useLocalDpi xmlns:a14="http://schemas.microsoft.com/office/drawing/2010/main" val="0"/>
+              </a:ext>
+            </a:extLst>
+          </a:blip>
+          <a:srcRect/>
+          <a:stretch>
+            <a:fillRect/>
+          </a:stretch>
+        </p:blipFill>
+        <p:spPr bwMode="auto">
+          <a:xfrm>
+            <a:off x="-5769" y="1217473"/>
+            <a:ext cx="9155539" cy="4423055"/>
+          </a:xfrm>
+          <a:prstGeom prst="rect">
+            <a:avLst/>
+          </a:prstGeom>
+          <a:noFill/>
+          <a:extLst>
+            <a:ext uri="{909E8E84-426E-40DD-AFC4-6F175D3DCCD1}">
+              <a14:hiddenFill xmlns:a14="http://schemas.microsoft.com/office/drawing/2010/main">
+                <a:solidFill>
+                  <a:srgbClr val="FFFFFF"/>
+                </a:solidFill>
+              </a14:hiddenFill>
+            </a:ext>
+          </a:extLst>
+        </p:spPr>
+      </p:pic>
+      <p:sp>
+        <p:nvSpPr>
+          <p:cNvPr id="2" name="Ellipse 1"/>
+          <p:cNvSpPr/>
+          <p:nvPr/>
+        </p:nvSpPr>
+        <p:spPr>
+          <a:xfrm>
+            <a:off x="5472954" y="1230920"/>
+            <a:ext cx="1304364" cy="389965"/>
+          </a:xfrm>
+          <a:prstGeom prst="ellipse">
+            <a:avLst/>
+          </a:prstGeom>
+          <a:noFill/>
+          <a:ln w="57150">
+            <a:solidFill>
+              <a:srgbClr val="C00000"/>
+            </a:solidFill>
+          </a:ln>
+          <a:effectLst/>
+        </p:spPr>
+        <p:style>
+          <a:lnRef idx="1">
+            <a:schemeClr val="accent1"/>
+          </a:lnRef>
+          <a:fillRef idx="3">
+            <a:schemeClr val="accent1"/>
+          </a:fillRef>
+          <a:effectRef idx="2">
+            <a:schemeClr val="accent1"/>
+          </a:effectRef>
+          <a:fontRef idx="minor">
+            <a:schemeClr val="lt1"/>
+          </a:fontRef>
+        </p:style>
+        <p:txBody>
+          <a:bodyPr rtlCol="0" anchor="ctr"/>
+          <a:lstStyle/>
+          <a:p>
+            <a:pPr algn="ctr"/>
+            <a:endParaRPr lang="de-DE"/>
+          </a:p>
+        </p:txBody>
+      </p:sp>
+      <p:sp>
+        <p:nvSpPr>
+          <p:cNvPr id="4" name="Ellipse 3"/>
+          <p:cNvSpPr/>
+          <p:nvPr/>
+        </p:nvSpPr>
+        <p:spPr>
+          <a:xfrm>
+            <a:off x="3164543" y="3857579"/>
+            <a:ext cx="1304364" cy="389965"/>
+          </a:xfrm>
+          <a:prstGeom prst="ellipse">
+            <a:avLst/>
+          </a:prstGeom>
+          <a:noFill/>
+          <a:ln w="57150">
+            <a:solidFill>
+              <a:srgbClr val="C00000"/>
+            </a:solidFill>
+          </a:ln>
+          <a:effectLst/>
+        </p:spPr>
+        <p:style>
+          <a:lnRef idx="1">
+            <a:schemeClr val="accent1"/>
+          </a:lnRef>
+          <a:fillRef idx="3">
+            <a:schemeClr val="accent1"/>
+          </a:fillRef>
+          <a:effectRef idx="2">
+            <a:schemeClr val="accent1"/>
+          </a:effectRef>
+          <a:fontRef idx="minor">
+            <a:schemeClr val="lt1"/>
+          </a:fontRef>
+        </p:style>
+        <p:txBody>
+          <a:bodyPr rtlCol="0" anchor="ctr"/>
+          <a:lstStyle/>
+          <a:p>
+            <a:pPr algn="ctr"/>
+            <a:endParaRPr lang="de-DE"/>
+          </a:p>
+        </p:txBody>
+      </p:sp>
+    </p:spTree>
+    <p:extLst>
+      <p:ext uri="{BB962C8B-B14F-4D97-AF65-F5344CB8AC3E}">
+        <p14:creationId xmlns:p14="http://schemas.microsoft.com/office/powerpoint/2010/main" val="1187936878"/>
+      </p:ext>
+    </p:extLst>
+  </p:cSld>
+  <p:clrMapOvr>
+    <a:masterClrMapping/>
+  </p:clrMapOvr>
+  <p:timing>
+    <p:tnLst>
+      <p:par>
+        <p:cTn id="1" dur="indefinite" restart="never" nodeType="tmRoot"/>
+      </p:par>
+    </p:tnLst>
+  </p:timing>
+</p:sld>
+</file>
+
+<file path=ppt/slides/slide12.xml><?xml version="1.0" encoding="utf-8"?>
+<p:sld xmlns:a="http://schemas.openxmlformats.org/drawingml/2006/main" xmlns:r="http://schemas.openxmlformats.org/officeDocument/2006/relationships" xmlns:p="http://schemas.openxmlformats.org/presentationml/2006/main">
+  <p:cSld>
+    <p:spTree>
+      <p:nvGrpSpPr>
+        <p:cNvPr id="1" name=""/>
+        <p:cNvGrpSpPr/>
+        <p:nvPr/>
+      </p:nvGrpSpPr>
+      <p:grpSpPr>
+        <a:xfrm>
+          <a:off x="0" y="0"/>
+          <a:ext cx="0" cy="0"/>
+          <a:chOff x="0" y="0"/>
+          <a:chExt cx="0" cy="0"/>
+        </a:xfrm>
+      </p:grpSpPr>
+      <p:sp>
+        <p:nvSpPr>
           <p:cNvPr id="2" name="Title 1"/>
           <p:cNvSpPr>
             <a:spLocks noGrp="1"/>
@@ -17096,7 +17621,7 @@
             <p:ph idx="1"/>
             <p:extLst>
               <p:ext uri="{D42A27DB-BD31-4B8C-83A1-F6EECF244321}">
-                <p14:modId xmlns:p14="http://schemas.microsoft.com/office/powerpoint/2010/main" val="2384288628"/>
+                <p14:modId xmlns:p14="http://schemas.microsoft.com/office/powerpoint/2010/main" val="270302335"/>
               </p:ext>
             </p:extLst>
           </p:nvPr>
@@ -17152,6 +17677,57 @@
           </a:extLst>
         </p:spPr>
       </p:pic>
+      <p:pic>
+        <p:nvPicPr>
+          <p:cNvPr id="5122" name="Picture 2" descr="http://media.djangoproject.com/img/logos/django-logo-positive.png"/>
+          <p:cNvPicPr>
+            <a:picLocks noChangeAspect="1" noChangeArrowheads="1"/>
+          </p:cNvPicPr>
+          <p:nvPr/>
+        </p:nvPicPr>
+        <p:blipFill>
+          <a:blip r:embed="rId8">
+            <a:clrChange>
+              <a:clrFrom>
+                <a:srgbClr val="FFFFFF"/>
+              </a:clrFrom>
+              <a:clrTo>
+                <a:srgbClr val="FFFFFF">
+                  <a:alpha val="0"/>
+                </a:srgbClr>
+              </a:clrTo>
+            </a:clrChange>
+            <a:extLst>
+              <a:ext uri="{28A0092B-C50C-407E-A947-70E740481C1C}">
+                <a14:useLocalDpi xmlns:a14="http://schemas.microsoft.com/office/drawing/2010/main" val="0"/>
+              </a:ext>
+            </a:extLst>
+          </a:blip>
+          <a:srcRect/>
+          <a:stretch>
+            <a:fillRect/>
+          </a:stretch>
+        </p:blipFill>
+        <p:spPr bwMode="auto">
+          <a:xfrm>
+            <a:off x="1062318" y="2203959"/>
+            <a:ext cx="1521384" cy="529948"/>
+          </a:xfrm>
+          <a:prstGeom prst="rect">
+            <a:avLst/>
+          </a:prstGeom>
+          <a:noFill/>
+          <a:extLst>
+            <a:ext uri="{909E8E84-426E-40DD-AFC4-6F175D3DCCD1}">
+              <a14:hiddenFill xmlns:a14="http://schemas.microsoft.com/office/drawing/2010/main">
+                <a:solidFill>
+                  <a:srgbClr val="FFFFFF"/>
+                </a:solidFill>
+              </a14:hiddenFill>
+            </a:ext>
+          </a:extLst>
+        </p:spPr>
+      </p:pic>
     </p:spTree>
     <p:extLst>
       <p:ext uri="{BB962C8B-B14F-4D97-AF65-F5344CB8AC3E}">
@@ -17172,7 +17748,7 @@
 </p:sld>
 </file>
 
-<file path=ppt/slides/slide11.xml><?xml version="1.0" encoding="utf-8"?>
+<file path=ppt/slides/slide13.xml><?xml version="1.0" encoding="utf-8"?>
 <p:sld xmlns:a="http://schemas.openxmlformats.org/drawingml/2006/main" xmlns:r="http://schemas.openxmlformats.org/officeDocument/2006/relationships" xmlns:p="http://schemas.openxmlformats.org/presentationml/2006/main">
   <p:cSld>
     <p:spTree>
@@ -17284,7 +17860,7 @@
 </p:sld>
 </file>
 
-<file path=ppt/slides/slide12.xml><?xml version="1.0" encoding="utf-8"?>
+<file path=ppt/slides/slide14.xml><?xml version="1.0" encoding="utf-8"?>
 <p:sld xmlns:a="http://schemas.openxmlformats.org/drawingml/2006/main" xmlns:r="http://schemas.openxmlformats.org/officeDocument/2006/relationships" xmlns:p="http://schemas.openxmlformats.org/presentationml/2006/main">
   <p:cSld>
     <p:spTree>
@@ -17372,7 +17948,7 @@
 </p:sld>
 </file>
 
-<file path=ppt/slides/slide13.xml><?xml version="1.0" encoding="utf-8"?>
+<file path=ppt/slides/slide15.xml><?xml version="1.0" encoding="utf-8"?>
 <p:sld xmlns:a="http://schemas.openxmlformats.org/drawingml/2006/main" xmlns:r="http://schemas.openxmlformats.org/officeDocument/2006/relationships" xmlns:p="http://schemas.openxmlformats.org/presentationml/2006/main">
   <p:cSld>
     <p:spTree>
@@ -18183,6 +18759,13 @@
   <p:clrMapOvr>
     <a:masterClrMapping/>
   </p:clrMapOvr>
+  <p:timing>
+    <p:tnLst>
+      <p:par>
+        <p:cTn id="1" dur="indefinite" restart="never" nodeType="tmRoot"/>
+      </p:par>
+    </p:tnLst>
+  </p:timing>
 </p:sld>
 </file>
 
@@ -18203,9 +18786,205 @@
           <a:chExt cx="0" cy="0"/>
         </a:xfrm>
       </p:grpSpPr>
+      <p:sp>
+        <p:nvSpPr>
+          <p:cNvPr id="2" name="AutoShape 2" descr="https://mail.google.com/mail/?ui=2&amp;ik=6c00dae748&amp;view=att&amp;th=13409555575d0367&amp;attid=0.1&amp;disp=inline&amp;zw"/>
+          <p:cNvSpPr>
+            <a:spLocks noChangeAspect="1" noChangeArrowheads="1"/>
+          </p:cNvSpPr>
+          <p:nvPr/>
+        </p:nvSpPr>
+        <p:spPr bwMode="auto">
+          <a:xfrm>
+            <a:off x="155575" y="-144463"/>
+            <a:ext cx="304800" cy="304801"/>
+          </a:xfrm>
+          <a:prstGeom prst="rect">
+            <a:avLst/>
+          </a:prstGeom>
+          <a:noFill/>
+          <a:extLst>
+            <a:ext uri="{909E8E84-426E-40DD-AFC4-6F175D3DCCD1}">
+              <a14:hiddenFill xmlns:a14="http://schemas.microsoft.com/office/drawing/2010/main">
+                <a:solidFill>
+                  <a:srgbClr val="FFFFFF"/>
+                </a:solidFill>
+              </a14:hiddenFill>
+            </a:ext>
+          </a:extLst>
+        </p:spPr>
+        <p:txBody>
+          <a:bodyPr vert="horz" wrap="square" lIns="91440" tIns="45720" rIns="91440" bIns="45720" numCol="1" anchor="t" anchorCtr="0" compatLnSpc="1">
+            <a:prstTxWarp prst="textNoShape">
+              <a:avLst/>
+            </a:prstTxWarp>
+          </a:bodyPr>
+          <a:lstStyle/>
+          <a:p>
+            <a:endParaRPr lang="de-DE"/>
+          </a:p>
+        </p:txBody>
+      </p:sp>
+      <p:sp>
+        <p:nvSpPr>
+          <p:cNvPr id="3" name="AutoShape 4" descr="https://mail.google.com/mail/?ui=2&amp;ik=6c00dae748&amp;view=att&amp;th=13409555575d0367&amp;attid=0.1&amp;disp=inline&amp;zw"/>
+          <p:cNvSpPr>
+            <a:spLocks noChangeAspect="1" noChangeArrowheads="1"/>
+          </p:cNvSpPr>
+          <p:nvPr/>
+        </p:nvSpPr>
+        <p:spPr bwMode="auto">
+          <a:xfrm>
+            <a:off x="307975" y="7937"/>
+            <a:ext cx="304800" cy="304801"/>
+          </a:xfrm>
+          <a:prstGeom prst="rect">
+            <a:avLst/>
+          </a:prstGeom>
+          <a:noFill/>
+          <a:extLst>
+            <a:ext uri="{909E8E84-426E-40DD-AFC4-6F175D3DCCD1}">
+              <a14:hiddenFill xmlns:a14="http://schemas.microsoft.com/office/drawing/2010/main">
+                <a:solidFill>
+                  <a:srgbClr val="FFFFFF"/>
+                </a:solidFill>
+              </a14:hiddenFill>
+            </a:ext>
+          </a:extLst>
+        </p:spPr>
+        <p:txBody>
+          <a:bodyPr vert="horz" wrap="square" lIns="91440" tIns="45720" rIns="91440" bIns="45720" numCol="1" anchor="t" anchorCtr="0" compatLnSpc="1">
+            <a:prstTxWarp prst="textNoShape">
+              <a:avLst/>
+            </a:prstTxWarp>
+          </a:bodyPr>
+          <a:lstStyle/>
+          <a:p>
+            <a:endParaRPr lang="de-DE"/>
+          </a:p>
+        </p:txBody>
+      </p:sp>
+      <p:sp>
+        <p:nvSpPr>
+          <p:cNvPr id="4" name="AutoShape 6" descr="https://mail.google.com/mail/?ui=2&amp;ik=6c00dae748&amp;view=att&amp;th=13409555575d0367&amp;attid=0.1&amp;disp=inline&amp;zw"/>
+          <p:cNvSpPr>
+            <a:spLocks noChangeAspect="1" noChangeArrowheads="1"/>
+          </p:cNvSpPr>
+          <p:nvPr/>
+        </p:nvSpPr>
+        <p:spPr bwMode="auto">
+          <a:xfrm>
+            <a:off x="460375" y="160337"/>
+            <a:ext cx="304800" cy="304801"/>
+          </a:xfrm>
+          <a:prstGeom prst="rect">
+            <a:avLst/>
+          </a:prstGeom>
+          <a:noFill/>
+          <a:extLst>
+            <a:ext uri="{909E8E84-426E-40DD-AFC4-6F175D3DCCD1}">
+              <a14:hiddenFill xmlns:a14="http://schemas.microsoft.com/office/drawing/2010/main">
+                <a:solidFill>
+                  <a:srgbClr val="FFFFFF"/>
+                </a:solidFill>
+              </a14:hiddenFill>
+            </a:ext>
+          </a:extLst>
+        </p:spPr>
+        <p:txBody>
+          <a:bodyPr vert="horz" wrap="square" lIns="91440" tIns="45720" rIns="91440" bIns="45720" numCol="1" anchor="t" anchorCtr="0" compatLnSpc="1">
+            <a:prstTxWarp prst="textNoShape">
+              <a:avLst/>
+            </a:prstTxWarp>
+          </a:bodyPr>
+          <a:lstStyle/>
+          <a:p>
+            <a:endParaRPr lang="de-DE"/>
+          </a:p>
+        </p:txBody>
+      </p:sp>
+      <p:sp>
+        <p:nvSpPr>
+          <p:cNvPr id="5" name="AutoShape 8" descr="https://mail.google.com/mail/?ui=2&amp;ik=6c00dae748&amp;view=att&amp;th=13409555575d0367&amp;attid=0.1&amp;disp=inline&amp;zw"/>
+          <p:cNvSpPr>
+            <a:spLocks noChangeAspect="1" noChangeArrowheads="1"/>
+          </p:cNvSpPr>
+          <p:nvPr/>
+        </p:nvSpPr>
+        <p:spPr bwMode="auto">
+          <a:xfrm>
+            <a:off x="612775" y="312737"/>
+            <a:ext cx="304800" cy="304801"/>
+          </a:xfrm>
+          <a:prstGeom prst="rect">
+            <a:avLst/>
+          </a:prstGeom>
+          <a:noFill/>
+          <a:extLst>
+            <a:ext uri="{909E8E84-426E-40DD-AFC4-6F175D3DCCD1}">
+              <a14:hiddenFill xmlns:a14="http://schemas.microsoft.com/office/drawing/2010/main">
+                <a:solidFill>
+                  <a:srgbClr val="FFFFFF"/>
+                </a:solidFill>
+              </a14:hiddenFill>
+            </a:ext>
+          </a:extLst>
+        </p:spPr>
+        <p:txBody>
+          <a:bodyPr vert="horz" wrap="square" lIns="91440" tIns="45720" rIns="91440" bIns="45720" numCol="1" anchor="t" anchorCtr="0" compatLnSpc="1">
+            <a:prstTxWarp prst="textNoShape">
+              <a:avLst/>
+            </a:prstTxWarp>
+          </a:bodyPr>
+          <a:lstStyle/>
+          <a:p>
+            <a:endParaRPr lang="de-DE"/>
+          </a:p>
+        </p:txBody>
+      </p:sp>
+      <p:sp>
+        <p:nvSpPr>
+          <p:cNvPr id="6" name="Rechteck 5"/>
+          <p:cNvSpPr/>
+          <p:nvPr/>
+        </p:nvSpPr>
+        <p:spPr>
+          <a:xfrm>
+            <a:off x="0" y="1"/>
+            <a:ext cx="9143999" cy="6858000"/>
+          </a:xfrm>
+          <a:prstGeom prst="rect">
+            <a:avLst/>
+          </a:prstGeom>
+        </p:spPr>
+        <p:style>
+          <a:lnRef idx="2">
+            <a:schemeClr val="dk1">
+              <a:shade val="50000"/>
+            </a:schemeClr>
+          </a:lnRef>
+          <a:fillRef idx="1">
+            <a:schemeClr val="dk1"/>
+          </a:fillRef>
+          <a:effectRef idx="0">
+            <a:schemeClr val="dk1"/>
+          </a:effectRef>
+          <a:fontRef idx="minor">
+            <a:schemeClr val="lt1"/>
+          </a:fontRef>
+        </p:style>
+        <p:txBody>
+          <a:bodyPr rtlCol="0" anchor="ctr"/>
+          <a:lstStyle/>
+          <a:p>
+            <a:pPr algn="ctr"/>
+            <a:endParaRPr lang="de-DE"/>
+          </a:p>
+        </p:txBody>
+      </p:sp>
       <p:pic>
         <p:nvPicPr>
-          <p:cNvPr id="4098" name="Picture 2" descr="https://github.com/lehmannro/validitychecker/raw/master/screenshots/greasemonkey.png"/>
+          <p:cNvPr id="2057" name="Picture 9" descr="C:\Users\Norman\Desktop\Foto.PNG"/>
           <p:cNvPicPr>
             <a:picLocks noChangeAspect="1" noChangeArrowheads="1"/>
           </p:cNvPicPr>
@@ -18226,8 +19005,8 @@
         </p:blipFill>
         <p:spPr bwMode="auto">
           <a:xfrm>
-            <a:off x="-5769" y="1217473"/>
-            <a:ext cx="9155539" cy="4423055"/>
+            <a:off x="2270282" y="0"/>
+            <a:ext cx="4572000" cy="6858000"/>
           </a:xfrm>
           <a:prstGeom prst="rect">
             <a:avLst/>
@@ -18247,7 +19026,7 @@
     </p:spTree>
     <p:extLst>
       <p:ext uri="{BB962C8B-B14F-4D97-AF65-F5344CB8AC3E}">
-        <p14:creationId xmlns:p14="http://schemas.microsoft.com/office/powerpoint/2010/main" val="1187936878"/>
+        <p14:creationId xmlns:p14="http://schemas.microsoft.com/office/powerpoint/2010/main" val="3599061953"/>
       </p:ext>
     </p:extLst>
   </p:cSld>

--- a/slideshare.pptx
+++ b/slideshare.pptx
@@ -18140,8 +18140,8 @@
           <a:lstStyle/>
           <a:p>
             <a:r>
-              <a:rPr lang="de-DE" dirty="0" smtClean="0"/>
-              <a:t>Problem</a:t>
+              <a:rPr lang="de-DE" smtClean="0"/>
+              <a:t>Topic</a:t>
             </a:r>
             <a:endParaRPr lang="de-DE" dirty="0"/>
           </a:p>
